--- a/docs/movie_recommender_technologies.pptx
+++ b/docs/movie_recommender_technologies.pptx
@@ -214,7 +214,7 @@
           <a:p>
             <a:fld id="{FC4477D0-435D-BD49-B064-7748EA2A39D2}" type="datetimeFigureOut">
               <a:rPr lang="en-US" smtClean="0"/>
-              <a:t>5/10/17</a:t>
+              <a:t>5/11/17</a:t>
             </a:fld>
             <a:endParaRPr lang="en-US"/>
           </a:p>
@@ -379,7 +379,7 @@
           <a:p>
             <a:fld id="{F1C16F4C-39CE-E746-8FAF-212C046D931B}" type="datetimeFigureOut">
               <a:rPr lang="en-US" smtClean="0"/>
-              <a:t>5/10/17</a:t>
+              <a:t>5/11/17</a:t>
             </a:fld>
             <a:endParaRPr lang="en-US"/>
           </a:p>
@@ -4936,7 +4936,7 @@
         </p:nvGrpSpPr>
         <p:grpSpPr>
           <a:xfrm>
-            <a:off x="7163301" y="5116733"/>
+            <a:off x="6142884" y="5090228"/>
             <a:ext cx="1409092" cy="1214735"/>
             <a:chOff x="5334255" y="2100139"/>
             <a:chExt cx="1878788" cy="1613703"/>
@@ -5047,7 +5047,7 @@
         </p:nvGrpSpPr>
         <p:grpSpPr>
           <a:xfrm>
-            <a:off x="4998835" y="3057348"/>
+            <a:off x="3978418" y="3030843"/>
             <a:ext cx="1409092" cy="1214735"/>
             <a:chOff x="5334255" y="2094198"/>
             <a:chExt cx="1878788" cy="1619645"/>
@@ -5158,7 +5158,7 @@
         </p:nvGrpSpPr>
         <p:grpSpPr>
           <a:xfrm>
-            <a:off x="7118738" y="998057"/>
+            <a:off x="6098321" y="971552"/>
             <a:ext cx="1409092" cy="1214735"/>
             <a:chOff x="6436026" y="1839649"/>
             <a:chExt cx="1878788" cy="1613703"/>
@@ -5317,8 +5317,8 @@
         </p:nvSpPr>
         <p:spPr bwMode="auto">
           <a:xfrm>
-            <a:off x="1282663" y="2342169"/>
-            <a:ext cx="1011221" cy="646331"/>
+            <a:off x="213004" y="2674969"/>
+            <a:ext cx="1011221" cy="430887"/>
           </a:xfrm>
           <a:prstGeom prst="rect">
             <a:avLst/>
@@ -5461,30 +5461,22 @@
           <a:p>
             <a:pPr algn="ctr" eaLnBrk="1" hangingPunct="1"/>
             <a:r>
-              <a:rPr lang="en-US" altLang="en-US" sz="1400" b="1" i="0" dirty="0">
+              <a:rPr lang="en-US" altLang="en-US" sz="1400" b="1" i="0">
                 <a:latin typeface="Helvetica Neue Light" charset="0"/>
                 <a:ea typeface="Helvetica Neue Light" charset="0"/>
                 <a:cs typeface="Helvetica Neue Light" charset="0"/>
                 <a:sym typeface="Source Sans Pro" charset="0"/>
               </a:rPr>
-              <a:t>Web &amp; Mobile</a:t>
+              <a:t>Web </a:t>
             </a:r>
-            <a:br>
-              <a:rPr lang="en-US" altLang="en-US" sz="1400" b="1" i="0" dirty="0">
+            <a:r>
+              <a:rPr lang="en-US" altLang="en-US" sz="1400" i="0" smtClean="0">
                 <a:latin typeface="Helvetica Neue Light" charset="0"/>
                 <a:ea typeface="Helvetica Neue Light" charset="0"/>
                 <a:cs typeface="Helvetica Neue Light" charset="0"/>
                 <a:sym typeface="Source Sans Pro" charset="0"/>
               </a:rPr>
-            </a:br>
-            <a:r>
-              <a:rPr lang="en-US" altLang="en-US" sz="1400" i="0" dirty="0">
-                <a:latin typeface="Helvetica Neue Light" charset="0"/>
-                <a:ea typeface="Helvetica Neue Light" charset="0"/>
-                <a:cs typeface="Helvetica Neue Light" charset="0"/>
-                <a:sym typeface="Source Sans Pro" charset="0"/>
-              </a:rPr>
-              <a:t>Applications</a:t>
+              <a:t>Application</a:t>
             </a:r>
             <a:endParaRPr lang="en-US" altLang="en-US" sz="1400" b="1" i="0" dirty="0">
               <a:latin typeface="Helvetica Neue Light" charset="0"/>
@@ -5503,7 +5495,7 @@
         </p:nvGrpSpPr>
         <p:grpSpPr>
           <a:xfrm>
-            <a:off x="4990138" y="998058"/>
+            <a:off x="3969721" y="971553"/>
             <a:ext cx="1409092" cy="1214735"/>
             <a:chOff x="5334255" y="2094198"/>
             <a:chExt cx="1878788" cy="1619645"/>
@@ -5627,7 +5619,7 @@
         </p:blipFill>
         <p:spPr bwMode="auto">
           <a:xfrm>
-            <a:off x="5274359" y="1586426"/>
+            <a:off x="4253942" y="1559921"/>
             <a:ext cx="858044" cy="346061"/>
           </a:xfrm>
           <a:prstGeom prst="rect">
@@ -5639,14 +5631,14 @@
           </a:ln>
           <a:extLst>
             <a:ext uri="{909E8E84-426E-40dd-AFC4-6F175D3DCCD1}">
-              <a14:hiddenFill xmlns:a14="http://schemas.microsoft.com/office/drawing/2010/main" xmlns="">
+              <a14:hiddenFill xmlns="" xmlns:a14="http://schemas.microsoft.com/office/drawing/2010/main">
                 <a:solidFill>
                   <a:srgbClr val="FFFFFF"/>
                 </a:solidFill>
               </a14:hiddenFill>
             </a:ext>
             <a:ext uri="{91240B29-F687-4f45-9708-019B960494DF}">
-              <a14:hiddenLine xmlns:a14="http://schemas.microsoft.com/office/drawing/2010/main" xmlns="" w="9525">
+              <a14:hiddenLine xmlns="" xmlns:a14="http://schemas.microsoft.com/office/drawing/2010/main" w="9525">
                 <a:solidFill>
                   <a:srgbClr val="000000"/>
                 </a:solidFill>
@@ -5680,7 +5672,7 @@
         </p:blipFill>
         <p:spPr>
           <a:xfrm>
-            <a:off x="5494795" y="1223204"/>
+            <a:off x="4474378" y="1196699"/>
             <a:ext cx="390345" cy="390345"/>
           </a:xfrm>
           <a:prstGeom prst="rect">
@@ -5698,7 +5690,7 @@
         </p:nvCxnSpPr>
         <p:spPr>
           <a:xfrm>
-            <a:off x="6396447" y="1600952"/>
+            <a:off x="5376030" y="1574447"/>
             <a:ext cx="722291" cy="4473"/>
           </a:xfrm>
           <a:prstGeom prst="straightConnector1">
@@ -5737,7 +5729,7 @@
         </p:nvSpPr>
         <p:spPr>
           <a:xfrm rot="5400000" flipH="1">
-            <a:off x="4266642" y="1770790"/>
+            <a:off x="3246225" y="1744285"/>
             <a:ext cx="946047" cy="508923"/>
           </a:xfrm>
           <a:prstGeom prst="bentUpArrow">
@@ -5789,7 +5781,7 @@
         </p:nvCxnSpPr>
         <p:spPr>
           <a:xfrm flipV="1">
-            <a:off x="4161698" y="3660885"/>
+            <a:off x="3141281" y="3634380"/>
             <a:ext cx="720000" cy="3083"/>
           </a:xfrm>
           <a:prstGeom prst="straightConnector1">
@@ -5828,7 +5820,7 @@
         </p:nvSpPr>
         <p:spPr>
           <a:xfrm rot="16200000" flipH="1" flipV="1">
-            <a:off x="4113710" y="2843798"/>
+            <a:off x="3093293" y="2817293"/>
             <a:ext cx="1251910" cy="508923"/>
           </a:xfrm>
           <a:prstGeom prst="bentUpArrow">
@@ -5879,7 +5871,7 @@
         </p:nvSpPr>
         <p:spPr bwMode="auto">
           <a:xfrm>
-            <a:off x="4618747" y="461974"/>
+            <a:off x="3598330" y="435469"/>
             <a:ext cx="2159070" cy="430887"/>
           </a:xfrm>
           <a:prstGeom prst="rect">
@@ -6056,16 +6048,7 @@
                 <a:cs typeface="Helvetica Neue Light" charset="0"/>
                 <a:sym typeface="Source Sans Pro" charset="0"/>
               </a:rPr>
-              <a:t> </a:t>
-            </a:r>
-            <a:r>
-              <a:rPr lang="en-US" altLang="en-US" sz="1400" i="0" dirty="0" smtClean="0">
-                <a:latin typeface="Helvetica Neue Light" charset="0"/>
-                <a:ea typeface="Helvetica Neue Light" charset="0"/>
-                <a:cs typeface="Helvetica Neue Light" charset="0"/>
-                <a:sym typeface="Source Sans Pro" charset="0"/>
-              </a:rPr>
-              <a:t>data</a:t>
+              <a:t> data</a:t>
             </a:r>
             <a:endParaRPr lang="en-US" altLang="en-US" sz="1400" i="0" dirty="0">
               <a:latin typeface="Helvetica Neue Light" charset="0"/>
@@ -6086,7 +6069,7 @@
         </p:nvSpPr>
         <p:spPr bwMode="auto">
           <a:xfrm>
-            <a:off x="4434714" y="2335456"/>
+            <a:off x="3414297" y="2308951"/>
             <a:ext cx="2510505" cy="646331"/>
           </a:xfrm>
           <a:prstGeom prst="rect">
@@ -6236,16 +6219,7 @@
                 <a:cs typeface="Helvetica Neue Light" charset="0"/>
                 <a:sym typeface="Source Sans Pro" charset="0"/>
               </a:rPr>
-              <a:t>In memory </a:t>
-            </a:r>
-            <a:r>
-              <a:rPr lang="en-US" altLang="en-US" sz="1400" i="0" dirty="0" smtClean="0">
-                <a:latin typeface="Helvetica Neue Light" charset="0"/>
-                <a:ea typeface="Helvetica Neue Light" charset="0"/>
-                <a:cs typeface="Helvetica Neue Light" charset="0"/>
-                <a:sym typeface="Source Sans Pro" charset="0"/>
-              </a:rPr>
-              <a:t>data store</a:t>
+              <a:t>In memory data store</a:t>
             </a:r>
           </a:p>
           <a:p>
@@ -6257,16 +6231,7 @@
                 <a:cs typeface="Helvetica Neue Light" charset="0"/>
                 <a:sym typeface="Source Sans Pro" charset="0"/>
               </a:rPr>
-              <a:t>atomically </a:t>
-            </a:r>
-            <a:r>
-              <a:rPr lang="en-US" altLang="en-US" sz="1400" b="1" i="0" dirty="0" smtClean="0">
-                <a:latin typeface="Helvetica Neue Light" charset="0"/>
-                <a:ea typeface="Helvetica Neue Light" charset="0"/>
-                <a:cs typeface="Helvetica Neue Light" charset="0"/>
-                <a:sym typeface="Source Sans Pro" charset="0"/>
-              </a:rPr>
-              <a:t>incrementing </a:t>
+              <a:t>atomically incrementing </a:t>
             </a:r>
           </a:p>
           <a:p>
@@ -6297,7 +6262,7 @@
         </p:nvCxnSpPr>
         <p:spPr>
           <a:xfrm>
-            <a:off x="8509542" y="1605425"/>
+            <a:off x="7489125" y="1578920"/>
             <a:ext cx="795339" cy="2865"/>
           </a:xfrm>
           <a:prstGeom prst="straightConnector1">
@@ -6350,7 +6315,7 @@
         </p:blipFill>
         <p:spPr>
           <a:xfrm>
-            <a:off x="5209460" y="3540517"/>
+            <a:off x="4189043" y="3514012"/>
             <a:ext cx="970119" cy="322509"/>
           </a:xfrm>
           <a:prstGeom prst="rect">
@@ -6366,7 +6331,7 @@
         </p:nvGrpSpPr>
         <p:grpSpPr>
           <a:xfrm>
-            <a:off x="1339655" y="3363062"/>
+            <a:off x="319238" y="3336557"/>
             <a:ext cx="843932" cy="860745"/>
             <a:chOff x="6468261" y="5330212"/>
             <a:chExt cx="843932" cy="860745"/>
@@ -6470,7 +6435,7 @@
         </p:nvGrpSpPr>
         <p:grpSpPr>
           <a:xfrm>
-            <a:off x="2752606" y="3056600"/>
+            <a:off x="1732189" y="3030095"/>
             <a:ext cx="1409092" cy="1214735"/>
             <a:chOff x="5334255" y="2094198"/>
             <a:chExt cx="1878788" cy="1619645"/>
@@ -6589,7 +6554,7 @@
         </p:blipFill>
         <p:spPr>
           <a:xfrm>
-            <a:off x="3191759" y="3399907"/>
+            <a:off x="2171342" y="3373402"/>
             <a:ext cx="570175" cy="570175"/>
           </a:xfrm>
           <a:prstGeom prst="rect">
@@ -6605,7 +6570,7 @@
         </p:nvCxnSpPr>
         <p:spPr>
           <a:xfrm>
-            <a:off x="2247045" y="3646297"/>
+            <a:off x="1226628" y="3619792"/>
             <a:ext cx="504436" cy="6497"/>
           </a:xfrm>
           <a:prstGeom prst="straightConnector1">
@@ -6646,8 +6611,8 @@
         </p:nvSpPr>
         <p:spPr bwMode="auto">
           <a:xfrm>
-            <a:off x="2636477" y="1839700"/>
-            <a:ext cx="1641350" cy="861774"/>
+            <a:off x="1616060" y="1813195"/>
+            <a:ext cx="1641350" cy="1077218"/>
           </a:xfrm>
           <a:prstGeom prst="rect">
             <a:avLst/>
@@ -6805,9 +6770,30 @@
                 <a:cs typeface="Helvetica Neue Light" charset="0"/>
                 <a:sym typeface="Source Sans Pro" charset="0"/>
               </a:rPr>
-              <a:t>rapid application development</a:t>
+              <a:t>rapid application </a:t>
             </a:r>
-            <a:endParaRPr lang="en-US" altLang="en-US" sz="1400" b="1" i="0" dirty="0">
+            <a:r>
+              <a:rPr lang="en-US" altLang="en-US" sz="1400" b="1" i="0" dirty="0" smtClean="0">
+                <a:latin typeface="Helvetica Neue Light" charset="0"/>
+                <a:ea typeface="Helvetica Neue Light" charset="0"/>
+                <a:cs typeface="Helvetica Neue Light" charset="0"/>
+                <a:sym typeface="Source Sans Pro" charset="0"/>
+              </a:rPr>
+              <a:t>development</a:t>
+            </a:r>
+          </a:p>
+          <a:p>
+            <a:pPr algn="ctr" eaLnBrk="1" hangingPunct="1"/>
+            <a:r>
+              <a:rPr lang="en-US" altLang="en-US" sz="1400" i="0" dirty="0" smtClean="0">
+                <a:latin typeface="Helvetica Neue Light" charset="0"/>
+                <a:ea typeface="Helvetica Neue Light" charset="0"/>
+                <a:cs typeface="Helvetica Neue Light" charset="0"/>
+                <a:sym typeface="Source Sans Pro" charset="0"/>
+              </a:rPr>
+              <a:t>of web application</a:t>
+            </a:r>
+            <a:endParaRPr lang="en-US" altLang="en-US" sz="1400" i="0" dirty="0">
               <a:latin typeface="Helvetica Neue Light" charset="0"/>
               <a:ea typeface="Helvetica Neue Light" charset="0"/>
               <a:cs typeface="Helvetica Neue Light" charset="0"/>
@@ -6826,7 +6812,7 @@
         </p:nvSpPr>
         <p:spPr bwMode="auto">
           <a:xfrm>
-            <a:off x="7085343" y="2313516"/>
+            <a:off x="6064926" y="2287011"/>
             <a:ext cx="1625520" cy="646331"/>
           </a:xfrm>
           <a:prstGeom prst="rect">
@@ -6976,16 +6962,7 @@
                 <a:cs typeface="Helvetica Neue Light" charset="0"/>
                 <a:sym typeface="Source Sans Pro" charset="0"/>
               </a:rPr>
-              <a:t>Distributed computing </a:t>
-            </a:r>
-            <a:r>
-              <a:rPr lang="en-US" altLang="en-US" sz="1400" i="0" dirty="0" smtClean="0">
-                <a:latin typeface="Helvetica Neue Light" charset="0"/>
-                <a:ea typeface="Helvetica Neue Light" charset="0"/>
-                <a:cs typeface="Helvetica Neue Light" charset="0"/>
-                <a:sym typeface="Source Sans Pro" charset="0"/>
-              </a:rPr>
-              <a:t>cluster for </a:t>
+              <a:t>Distributed computing cluster for </a:t>
             </a:r>
           </a:p>
           <a:p>
@@ -6997,16 +6974,7 @@
                 <a:cs typeface="Helvetica Neue Light" charset="0"/>
                 <a:sym typeface="Source Sans Pro" charset="0"/>
               </a:rPr>
-              <a:t>Machine </a:t>
-            </a:r>
-            <a:r>
-              <a:rPr lang="en-US" altLang="en-US" sz="1400" b="1" i="0" dirty="0" smtClean="0">
-                <a:latin typeface="Helvetica Neue Light" charset="0"/>
-                <a:ea typeface="Helvetica Neue Light" charset="0"/>
-                <a:cs typeface="Helvetica Neue Light" charset="0"/>
-                <a:sym typeface="Source Sans Pro" charset="0"/>
-              </a:rPr>
-              <a:t>learning</a:t>
+              <a:t>Machine learning</a:t>
             </a:r>
             <a:endParaRPr lang="en-US" altLang="en-US" sz="1400" b="1" i="0" dirty="0">
               <a:latin typeface="Helvetica Neue Light" charset="0"/>
@@ -7025,7 +6993,7 @@
         </p:nvGrpSpPr>
         <p:grpSpPr>
           <a:xfrm>
-            <a:off x="9246670" y="1223204"/>
+            <a:off x="8226253" y="1196699"/>
             <a:ext cx="1340098" cy="809833"/>
             <a:chOff x="8467738" y="2813251"/>
             <a:chExt cx="1340098" cy="809833"/>
@@ -7111,7 +7079,7 @@
         </p:nvSpPr>
         <p:spPr bwMode="auto">
           <a:xfrm>
-            <a:off x="9043353" y="459334"/>
+            <a:off x="8022936" y="432829"/>
             <a:ext cx="1746731" cy="646331"/>
           </a:xfrm>
           <a:prstGeom prst="rect">
@@ -7270,16 +7238,7 @@
                 <a:cs typeface="Helvetica Neue Light" charset="0"/>
                 <a:sym typeface="Source Sans Pro" charset="0"/>
               </a:rPr>
-              <a:t>development </a:t>
-            </a:r>
-            <a:r>
-              <a:rPr lang="en-US" altLang="en-US" sz="1400" b="1" i="0" dirty="0" smtClean="0">
-                <a:latin typeface="Helvetica Neue Light" charset="0"/>
-                <a:ea typeface="Helvetica Neue Light" charset="0"/>
-                <a:cs typeface="Helvetica Neue Light" charset="0"/>
-                <a:sym typeface="Source Sans Pro" charset="0"/>
-              </a:rPr>
-              <a:t>environment</a:t>
+              <a:t>development environment</a:t>
             </a:r>
             <a:endParaRPr lang="en-US" altLang="en-US" sz="1400" b="1" i="0" dirty="0">
               <a:latin typeface="Helvetica Neue Light" charset="0"/>
@@ -7298,7 +7257,7 @@
         </p:nvSpPr>
         <p:spPr>
           <a:xfrm>
-            <a:off x="5370490" y="1823956"/>
+            <a:off x="4350073" y="1797451"/>
             <a:ext cx="761913" cy="87735"/>
           </a:xfrm>
           <a:prstGeom prst="rect">
@@ -7344,7 +7303,7 @@
         </p:nvGrpSpPr>
         <p:grpSpPr>
           <a:xfrm>
-            <a:off x="4987355" y="5116734"/>
+            <a:off x="3966938" y="5090229"/>
             <a:ext cx="1409092" cy="1214735"/>
             <a:chOff x="5334255" y="2094198"/>
             <a:chExt cx="1878788" cy="1619645"/>
@@ -7455,7 +7414,7 @@
         </p:nvSpPr>
         <p:spPr>
           <a:xfrm rot="16200000" flipH="1" flipV="1">
-            <a:off x="3685023" y="4452976"/>
+            <a:off x="2664606" y="4426471"/>
             <a:ext cx="2118554" cy="518194"/>
           </a:xfrm>
           <a:prstGeom prst="bentUpArrow">
@@ -7506,7 +7465,7 @@
         </p:nvSpPr>
         <p:spPr bwMode="auto">
           <a:xfrm>
-            <a:off x="4325132" y="4572901"/>
+            <a:off x="3304715" y="4546396"/>
             <a:ext cx="2510505" cy="430887"/>
           </a:xfrm>
           <a:prstGeom prst="rect">
@@ -7701,7 +7660,7 @@
         </p:blipFill>
         <p:spPr>
           <a:xfrm>
-            <a:off x="5370489" y="5279833"/>
+            <a:off x="4350072" y="5253328"/>
             <a:ext cx="660047" cy="660047"/>
           </a:xfrm>
           <a:prstGeom prst="rect">
@@ -7725,7 +7684,7 @@
         </p:blipFill>
         <p:spPr>
           <a:xfrm>
-            <a:off x="5270545" y="5899244"/>
+            <a:off x="4250128" y="5872739"/>
             <a:ext cx="838200" cy="165100"/>
           </a:xfrm>
           <a:prstGeom prst="rect">
@@ -7749,7 +7708,7 @@
         </p:blipFill>
         <p:spPr>
           <a:xfrm>
-            <a:off x="7530113" y="5279833"/>
+            <a:off x="6509696" y="5253328"/>
             <a:ext cx="660327" cy="419501"/>
           </a:xfrm>
           <a:prstGeom prst="rect">
@@ -7773,7 +7732,7 @@
         </p:blipFill>
         <p:spPr>
           <a:xfrm>
-            <a:off x="7446964" y="5814693"/>
+            <a:off x="6426547" y="5788188"/>
             <a:ext cx="807713" cy="238840"/>
           </a:xfrm>
           <a:prstGeom prst="rect">
@@ -7789,7 +7748,7 @@
         </p:nvCxnSpPr>
         <p:spPr>
           <a:xfrm>
-            <a:off x="6399720" y="5719802"/>
+            <a:off x="5379303" y="5693297"/>
             <a:ext cx="795339" cy="2865"/>
           </a:xfrm>
           <a:prstGeom prst="straightConnector1">
@@ -7830,7 +7789,7 @@
         </p:nvSpPr>
         <p:spPr bwMode="auto">
           <a:xfrm>
-            <a:off x="6612594" y="4563299"/>
+            <a:off x="5592177" y="4536794"/>
             <a:ext cx="2510505" cy="430887"/>
           </a:xfrm>
           <a:prstGeom prst="rect">
@@ -8018,201 +7977,6 @@
           </a:p>
         </p:txBody>
       </p:sp>
-      <p:sp>
-        <p:nvSpPr>
-          <p:cNvPr id="63" name="Rectangle 175"/>
-          <p:cNvSpPr>
-            <a:spLocks/>
-          </p:cNvSpPr>
-          <p:nvPr/>
-        </p:nvSpPr>
-        <p:spPr bwMode="auto">
-          <a:xfrm>
-            <a:off x="9345674" y="5279833"/>
-            <a:ext cx="1224112" cy="1077218"/>
-          </a:xfrm>
-          <a:prstGeom prst="rect">
-            <a:avLst/>
-          </a:prstGeom>
-          <a:noFill/>
-          <a:ln>
-            <a:noFill/>
-          </a:ln>
-          <a:extLst>
-            <a:ext uri="{909E8E84-426E-40DD-AFC4-6F175D3DCCD1}">
-              <a14:hiddenFill xmlns:a14="http://schemas.microsoft.com/office/drawing/2010/main">
-                <a:solidFill>
-                  <a:srgbClr val="FFFFFF"/>
-                </a:solidFill>
-              </a14:hiddenFill>
-            </a:ext>
-            <a:ext uri="{91240B29-F687-4F45-9708-019B960494DF}">
-              <a14:hiddenLine xmlns:a14="http://schemas.microsoft.com/office/drawing/2010/main" w="9525">
-                <a:solidFill>
-                  <a:srgbClr val="000000"/>
-                </a:solidFill>
-                <a:miter lim="800000"/>
-                <a:headEnd/>
-                <a:tailEnd/>
-              </a14:hiddenLine>
-            </a:ext>
-          </a:extLst>
-        </p:spPr>
-        <p:txBody>
-          <a:bodyPr wrap="square" lIns="0" tIns="0" rIns="0" bIns="0">
-            <a:spAutoFit/>
-          </a:bodyPr>
-          <a:lstStyle>
-            <a:lvl1pPr>
-              <a:defRPr i="1">
-                <a:solidFill>
-                  <a:schemeClr val="tx1"/>
-                </a:solidFill>
-                <a:latin typeface="Arial" panose="020B0604020202020204" pitchFamily="34" charset="0"/>
-                <a:ea typeface="MS PGothic" panose="020B0600070205080204" pitchFamily="34" charset="-128"/>
-              </a:defRPr>
-            </a:lvl1pPr>
-            <a:lvl2pPr marL="742950" indent="-285750">
-              <a:defRPr i="1">
-                <a:solidFill>
-                  <a:schemeClr val="tx1"/>
-                </a:solidFill>
-                <a:latin typeface="Arial" panose="020B0604020202020204" pitchFamily="34" charset="0"/>
-                <a:ea typeface="MS PGothic" panose="020B0600070205080204" pitchFamily="34" charset="-128"/>
-              </a:defRPr>
-            </a:lvl2pPr>
-            <a:lvl3pPr marL="1143000" indent="-228600">
-              <a:defRPr i="1">
-                <a:solidFill>
-                  <a:schemeClr val="tx1"/>
-                </a:solidFill>
-                <a:latin typeface="Arial" panose="020B0604020202020204" pitchFamily="34" charset="0"/>
-                <a:ea typeface="MS PGothic" panose="020B0600070205080204" pitchFamily="34" charset="-128"/>
-              </a:defRPr>
-            </a:lvl3pPr>
-            <a:lvl4pPr marL="1600200" indent="-228600">
-              <a:defRPr i="1">
-                <a:solidFill>
-                  <a:schemeClr val="tx1"/>
-                </a:solidFill>
-                <a:latin typeface="Arial" panose="020B0604020202020204" pitchFamily="34" charset="0"/>
-                <a:ea typeface="MS PGothic" panose="020B0600070205080204" pitchFamily="34" charset="-128"/>
-              </a:defRPr>
-            </a:lvl4pPr>
-            <a:lvl5pPr marL="2057400" indent="-228600">
-              <a:defRPr i="1">
-                <a:solidFill>
-                  <a:schemeClr val="tx1"/>
-                </a:solidFill>
-                <a:latin typeface="Arial" panose="020B0604020202020204" pitchFamily="34" charset="0"/>
-                <a:ea typeface="MS PGothic" panose="020B0600070205080204" pitchFamily="34" charset="-128"/>
-              </a:defRPr>
-            </a:lvl5pPr>
-            <a:lvl6pPr marL="2514600" indent="-228600" eaLnBrk="0" fontAlgn="base" hangingPunct="0">
-              <a:spcBef>
-                <a:spcPct val="0"/>
-              </a:spcBef>
-              <a:spcAft>
-                <a:spcPct val="0"/>
-              </a:spcAft>
-              <a:defRPr i="1">
-                <a:solidFill>
-                  <a:schemeClr val="tx1"/>
-                </a:solidFill>
-                <a:latin typeface="Arial" panose="020B0604020202020204" pitchFamily="34" charset="0"/>
-                <a:ea typeface="MS PGothic" panose="020B0600070205080204" pitchFamily="34" charset="-128"/>
-              </a:defRPr>
-            </a:lvl6pPr>
-            <a:lvl7pPr marL="2971800" indent="-228600" eaLnBrk="0" fontAlgn="base" hangingPunct="0">
-              <a:spcBef>
-                <a:spcPct val="0"/>
-              </a:spcBef>
-              <a:spcAft>
-                <a:spcPct val="0"/>
-              </a:spcAft>
-              <a:defRPr i="1">
-                <a:solidFill>
-                  <a:schemeClr val="tx1"/>
-                </a:solidFill>
-                <a:latin typeface="Arial" panose="020B0604020202020204" pitchFamily="34" charset="0"/>
-                <a:ea typeface="MS PGothic" panose="020B0600070205080204" pitchFamily="34" charset="-128"/>
-              </a:defRPr>
-            </a:lvl7pPr>
-            <a:lvl8pPr marL="3429000" indent="-228600" eaLnBrk="0" fontAlgn="base" hangingPunct="0">
-              <a:spcBef>
-                <a:spcPct val="0"/>
-              </a:spcBef>
-              <a:spcAft>
-                <a:spcPct val="0"/>
-              </a:spcAft>
-              <a:defRPr i="1">
-                <a:solidFill>
-                  <a:schemeClr val="tx1"/>
-                </a:solidFill>
-                <a:latin typeface="Arial" panose="020B0604020202020204" pitchFamily="34" charset="0"/>
-                <a:ea typeface="MS PGothic" panose="020B0600070205080204" pitchFamily="34" charset="-128"/>
-              </a:defRPr>
-            </a:lvl8pPr>
-            <a:lvl9pPr marL="3886200" indent="-228600" eaLnBrk="0" fontAlgn="base" hangingPunct="0">
-              <a:spcBef>
-                <a:spcPct val="0"/>
-              </a:spcBef>
-              <a:spcAft>
-                <a:spcPct val="0"/>
-              </a:spcAft>
-              <a:defRPr i="1">
-                <a:solidFill>
-                  <a:schemeClr val="tx1"/>
-                </a:solidFill>
-                <a:latin typeface="Arial" panose="020B0604020202020204" pitchFamily="34" charset="0"/>
-                <a:ea typeface="MS PGothic" panose="020B0600070205080204" pitchFamily="34" charset="-128"/>
-              </a:defRPr>
-            </a:lvl9pPr>
-          </a:lstStyle>
-          <a:p>
-            <a:pPr algn="ctr" eaLnBrk="1" hangingPunct="1"/>
-            <a:r>
-              <a:rPr lang="en-US" altLang="en-US" sz="1400" b="1" i="0" dirty="0" smtClean="0">
-                <a:latin typeface="Helvetica Neue Light" charset="0"/>
-                <a:ea typeface="Helvetica Neue Light" charset="0"/>
-                <a:cs typeface="Helvetica Neue Light" charset="0"/>
-                <a:sym typeface="Source Sans Pro" charset="0"/>
-              </a:rPr>
-              <a:t>Internal Reporting</a:t>
-            </a:r>
-          </a:p>
-          <a:p>
-            <a:pPr algn="ctr" eaLnBrk="1" hangingPunct="1"/>
-            <a:r>
-              <a:rPr lang="en-US" altLang="en-US" sz="1400" b="1" i="0" dirty="0" smtClean="0">
-                <a:latin typeface="Helvetica Neue Light" charset="0"/>
-                <a:ea typeface="Helvetica Neue Light" charset="0"/>
-                <a:cs typeface="Helvetica Neue Light" charset="0"/>
-                <a:sym typeface="Source Sans Pro" charset="0"/>
-              </a:rPr>
-              <a:t>Tools</a:t>
-            </a:r>
-          </a:p>
-          <a:p>
-            <a:pPr algn="ctr" eaLnBrk="1" hangingPunct="1"/>
-            <a:r>
-              <a:rPr lang="en-US" altLang="en-US" sz="1400" i="0" dirty="0" smtClean="0">
-                <a:latin typeface="Helvetica Neue Light" charset="0"/>
-                <a:ea typeface="Helvetica Neue Light" charset="0"/>
-                <a:cs typeface="Helvetica Neue Light" charset="0"/>
-                <a:sym typeface="Source Sans Pro" charset="0"/>
-              </a:rPr>
-              <a:t>(out of scope for demo)</a:t>
-            </a:r>
-            <a:endParaRPr lang="en-US" altLang="en-US" sz="1400" i="0" dirty="0">
-              <a:latin typeface="Helvetica Neue Light" charset="0"/>
-              <a:ea typeface="Helvetica Neue Light" charset="0"/>
-              <a:cs typeface="Helvetica Neue Light" charset="0"/>
-              <a:sym typeface="Source Sans Pro" charset="0"/>
-            </a:endParaRPr>
-          </a:p>
-        </p:txBody>
-      </p:sp>
       <p:cxnSp>
         <p:nvCxnSpPr>
           <p:cNvPr id="65" name="Straight Arrow Connector 64"/>
@@ -8221,7 +7985,7 @@
         </p:nvCxnSpPr>
         <p:spPr>
           <a:xfrm>
-            <a:off x="8550335" y="5720593"/>
+            <a:off x="7529918" y="5694088"/>
             <a:ext cx="795339" cy="2865"/>
           </a:xfrm>
           <a:prstGeom prst="straightConnector1">
@@ -8252,6 +8016,321 @@
           </a:fontRef>
         </p:style>
       </p:cxnSp>
+      <p:grpSp>
+        <p:nvGrpSpPr>
+          <p:cNvPr id="56" name="Group 55"/>
+          <p:cNvGrpSpPr/>
+          <p:nvPr/>
+        </p:nvGrpSpPr>
+        <p:grpSpPr>
+          <a:xfrm>
+            <a:off x="8325257" y="5085929"/>
+            <a:ext cx="1409092" cy="1214735"/>
+            <a:chOff x="5334255" y="2094198"/>
+            <a:chExt cx="1878788" cy="1619645"/>
+          </a:xfrm>
+        </p:grpSpPr>
+        <p:sp>
+          <p:nvSpPr>
+            <p:cNvPr id="59" name="Hexagon 58"/>
+            <p:cNvSpPr/>
+            <p:nvPr/>
+          </p:nvSpPr>
+          <p:spPr>
+            <a:xfrm>
+              <a:off x="5334255" y="2094198"/>
+              <a:ext cx="1878788" cy="1619645"/>
+            </a:xfrm>
+            <a:prstGeom prst="hexagon">
+              <a:avLst/>
+            </a:prstGeom>
+            <a:solidFill>
+              <a:srgbClr val="0A5889"/>
+            </a:solidFill>
+            <a:ln>
+              <a:noFill/>
+            </a:ln>
+            <a:effectLst>
+              <a:outerShdw blurRad="40005" dist="22860" dir="5400000" algn="ctr" rotWithShape="0">
+                <a:schemeClr val="tx1">
+                  <a:alpha val="35000"/>
+                </a:schemeClr>
+              </a:outerShdw>
+            </a:effectLst>
+          </p:spPr>
+          <p:style>
+            <a:lnRef idx="1">
+              <a:schemeClr val="accent1"/>
+            </a:lnRef>
+            <a:fillRef idx="3">
+              <a:schemeClr val="accent1"/>
+            </a:fillRef>
+            <a:effectRef idx="2">
+              <a:schemeClr val="accent1"/>
+            </a:effectRef>
+            <a:fontRef idx="minor">
+              <a:schemeClr val="lt1"/>
+            </a:fontRef>
+          </p:style>
+          <p:txBody>
+            <a:bodyPr rtlCol="0" anchor="ctr"/>
+            <a:lstStyle/>
+            <a:p>
+              <a:pPr algn="ctr"/>
+              <a:endParaRPr lang="en-US" sz="1200"/>
+            </a:p>
+          </p:txBody>
+        </p:sp>
+        <p:sp>
+          <p:nvSpPr>
+            <p:cNvPr id="62" name="Hexagon 61"/>
+            <p:cNvSpPr/>
+            <p:nvPr/>
+          </p:nvSpPr>
+          <p:spPr>
+            <a:xfrm>
+              <a:off x="5474807" y="2213608"/>
+              <a:ext cx="1610618" cy="1388464"/>
+            </a:xfrm>
+            <a:prstGeom prst="hexagon">
+              <a:avLst/>
+            </a:prstGeom>
+            <a:solidFill>
+              <a:schemeClr val="bg1"/>
+            </a:solidFill>
+            <a:ln>
+              <a:noFill/>
+            </a:ln>
+            <a:effectLst/>
+          </p:spPr>
+          <p:style>
+            <a:lnRef idx="1">
+              <a:schemeClr val="accent1"/>
+            </a:lnRef>
+            <a:fillRef idx="3">
+              <a:schemeClr val="accent1"/>
+            </a:fillRef>
+            <a:effectRef idx="2">
+              <a:schemeClr val="accent1"/>
+            </a:effectRef>
+            <a:fontRef idx="minor">
+              <a:schemeClr val="lt1"/>
+            </a:fontRef>
+          </p:style>
+          <p:txBody>
+            <a:bodyPr rtlCol="0" anchor="ctr"/>
+            <a:lstStyle/>
+            <a:p>
+              <a:pPr algn="ctr"/>
+              <a:endParaRPr lang="en-US" sz="1200"/>
+            </a:p>
+          </p:txBody>
+        </p:sp>
+      </p:grpSp>
+      <p:pic>
+        <p:nvPicPr>
+          <p:cNvPr id="66" name="Picture 65"/>
+          <p:cNvPicPr>
+            <a:picLocks noChangeAspect="1"/>
+          </p:cNvPicPr>
+          <p:nvPr/>
+        </p:nvPicPr>
+        <p:blipFill>
+          <a:blip r:embed="rId9"/>
+          <a:stretch>
+            <a:fillRect/>
+          </a:stretch>
+        </p:blipFill>
+        <p:spPr>
+          <a:xfrm>
+            <a:off x="8764410" y="5429236"/>
+            <a:ext cx="570175" cy="570175"/>
+          </a:xfrm>
+          <a:prstGeom prst="rect">
+            <a:avLst/>
+          </a:prstGeom>
+        </p:spPr>
+      </p:pic>
+      <p:sp>
+        <p:nvSpPr>
+          <p:cNvPr id="68" name="Rectangle 175"/>
+          <p:cNvSpPr>
+            <a:spLocks/>
+          </p:cNvSpPr>
+          <p:nvPr/>
+        </p:nvSpPr>
+        <p:spPr bwMode="auto">
+          <a:xfrm>
+            <a:off x="8180476" y="4217194"/>
+            <a:ext cx="1641350" cy="646331"/>
+          </a:xfrm>
+          <a:prstGeom prst="rect">
+            <a:avLst/>
+          </a:prstGeom>
+          <a:noFill/>
+          <a:ln>
+            <a:noFill/>
+          </a:ln>
+          <a:extLst>
+            <a:ext uri="{909E8E84-426E-40DD-AFC4-6F175D3DCCD1}">
+              <a14:hiddenFill xmlns:a14="http://schemas.microsoft.com/office/drawing/2010/main">
+                <a:solidFill>
+                  <a:srgbClr val="FFFFFF"/>
+                </a:solidFill>
+              </a14:hiddenFill>
+            </a:ext>
+            <a:ext uri="{91240B29-F687-4F45-9708-019B960494DF}">
+              <a14:hiddenLine xmlns:a14="http://schemas.microsoft.com/office/drawing/2010/main" w="9525">
+                <a:solidFill>
+                  <a:srgbClr val="000000"/>
+                </a:solidFill>
+                <a:miter lim="800000"/>
+                <a:headEnd/>
+                <a:tailEnd/>
+              </a14:hiddenLine>
+            </a:ext>
+          </a:extLst>
+        </p:spPr>
+        <p:txBody>
+          <a:bodyPr wrap="square" lIns="0" tIns="0" rIns="0" bIns="0">
+            <a:spAutoFit/>
+          </a:bodyPr>
+          <a:lstStyle>
+            <a:lvl1pPr>
+              <a:defRPr i="1">
+                <a:solidFill>
+                  <a:schemeClr val="tx1"/>
+                </a:solidFill>
+                <a:latin typeface="Arial" panose="020B0604020202020204" pitchFamily="34" charset="0"/>
+                <a:ea typeface="MS PGothic" panose="020B0600070205080204" pitchFamily="34" charset="-128"/>
+              </a:defRPr>
+            </a:lvl1pPr>
+            <a:lvl2pPr marL="742950" indent="-285750">
+              <a:defRPr i="1">
+                <a:solidFill>
+                  <a:schemeClr val="tx1"/>
+                </a:solidFill>
+                <a:latin typeface="Arial" panose="020B0604020202020204" pitchFamily="34" charset="0"/>
+                <a:ea typeface="MS PGothic" panose="020B0600070205080204" pitchFamily="34" charset="-128"/>
+              </a:defRPr>
+            </a:lvl2pPr>
+            <a:lvl3pPr marL="1143000" indent="-228600">
+              <a:defRPr i="1">
+                <a:solidFill>
+                  <a:schemeClr val="tx1"/>
+                </a:solidFill>
+                <a:latin typeface="Arial" panose="020B0604020202020204" pitchFamily="34" charset="0"/>
+                <a:ea typeface="MS PGothic" panose="020B0600070205080204" pitchFamily="34" charset="-128"/>
+              </a:defRPr>
+            </a:lvl3pPr>
+            <a:lvl4pPr marL="1600200" indent="-228600">
+              <a:defRPr i="1">
+                <a:solidFill>
+                  <a:schemeClr val="tx1"/>
+                </a:solidFill>
+                <a:latin typeface="Arial" panose="020B0604020202020204" pitchFamily="34" charset="0"/>
+                <a:ea typeface="MS PGothic" panose="020B0600070205080204" pitchFamily="34" charset="-128"/>
+              </a:defRPr>
+            </a:lvl4pPr>
+            <a:lvl5pPr marL="2057400" indent="-228600">
+              <a:defRPr i="1">
+                <a:solidFill>
+                  <a:schemeClr val="tx1"/>
+                </a:solidFill>
+                <a:latin typeface="Arial" panose="020B0604020202020204" pitchFamily="34" charset="0"/>
+                <a:ea typeface="MS PGothic" panose="020B0600070205080204" pitchFamily="34" charset="-128"/>
+              </a:defRPr>
+            </a:lvl5pPr>
+            <a:lvl6pPr marL="2514600" indent="-228600" eaLnBrk="0" fontAlgn="base" hangingPunct="0">
+              <a:spcBef>
+                <a:spcPct val="0"/>
+              </a:spcBef>
+              <a:spcAft>
+                <a:spcPct val="0"/>
+              </a:spcAft>
+              <a:defRPr i="1">
+                <a:solidFill>
+                  <a:schemeClr val="tx1"/>
+                </a:solidFill>
+                <a:latin typeface="Arial" panose="020B0604020202020204" pitchFamily="34" charset="0"/>
+                <a:ea typeface="MS PGothic" panose="020B0600070205080204" pitchFamily="34" charset="-128"/>
+              </a:defRPr>
+            </a:lvl6pPr>
+            <a:lvl7pPr marL="2971800" indent="-228600" eaLnBrk="0" fontAlgn="base" hangingPunct="0">
+              <a:spcBef>
+                <a:spcPct val="0"/>
+              </a:spcBef>
+              <a:spcAft>
+                <a:spcPct val="0"/>
+              </a:spcAft>
+              <a:defRPr i="1">
+                <a:solidFill>
+                  <a:schemeClr val="tx1"/>
+                </a:solidFill>
+                <a:latin typeface="Arial" panose="020B0604020202020204" pitchFamily="34" charset="0"/>
+                <a:ea typeface="MS PGothic" panose="020B0600070205080204" pitchFamily="34" charset="-128"/>
+              </a:defRPr>
+            </a:lvl7pPr>
+            <a:lvl8pPr marL="3429000" indent="-228600" eaLnBrk="0" fontAlgn="base" hangingPunct="0">
+              <a:spcBef>
+                <a:spcPct val="0"/>
+              </a:spcBef>
+              <a:spcAft>
+                <a:spcPct val="0"/>
+              </a:spcAft>
+              <a:defRPr i="1">
+                <a:solidFill>
+                  <a:schemeClr val="tx1"/>
+                </a:solidFill>
+                <a:latin typeface="Arial" panose="020B0604020202020204" pitchFamily="34" charset="0"/>
+                <a:ea typeface="MS PGothic" panose="020B0600070205080204" pitchFamily="34" charset="-128"/>
+              </a:defRPr>
+            </a:lvl8pPr>
+            <a:lvl9pPr marL="3886200" indent="-228600" eaLnBrk="0" fontAlgn="base" hangingPunct="0">
+              <a:spcBef>
+                <a:spcPct val="0"/>
+              </a:spcBef>
+              <a:spcAft>
+                <a:spcPct val="0"/>
+              </a:spcAft>
+              <a:defRPr i="1">
+                <a:solidFill>
+                  <a:schemeClr val="tx1"/>
+                </a:solidFill>
+                <a:latin typeface="Arial" panose="020B0604020202020204" pitchFamily="34" charset="0"/>
+                <a:ea typeface="MS PGothic" panose="020B0600070205080204" pitchFamily="34" charset="-128"/>
+              </a:defRPr>
+            </a:lvl9pPr>
+          </a:lstStyle>
+          <a:p>
+            <a:pPr algn="ctr" eaLnBrk="1" hangingPunct="1"/>
+            <a:r>
+              <a:rPr lang="en-US" altLang="en-US" sz="1400" i="0" dirty="0" smtClean="0">
+                <a:latin typeface="Helvetica Neue Light" charset="0"/>
+                <a:ea typeface="Helvetica Neue Light" charset="0"/>
+                <a:cs typeface="Helvetica Neue Light" charset="0"/>
+                <a:sym typeface="Source Sans Pro" charset="0"/>
+              </a:rPr>
+              <a:t>Back end </a:t>
+            </a:r>
+            <a:r>
+              <a:rPr lang="en-US" altLang="en-US" sz="1400" b="1" i="0" dirty="0" smtClean="0">
+                <a:latin typeface="Helvetica Neue Light" charset="0"/>
+                <a:ea typeface="Helvetica Neue Light" charset="0"/>
+                <a:cs typeface="Helvetica Neue Light" charset="0"/>
+                <a:sym typeface="Source Sans Pro" charset="0"/>
+              </a:rPr>
+              <a:t>management dashboard</a:t>
+            </a:r>
+            <a:endParaRPr lang="en-US" altLang="en-US" sz="1400" b="1" i="0" dirty="0">
+              <a:latin typeface="Helvetica Neue Light" charset="0"/>
+              <a:ea typeface="Helvetica Neue Light" charset="0"/>
+              <a:cs typeface="Helvetica Neue Light" charset="0"/>
+              <a:sym typeface="Source Sans Pro" charset="0"/>
+            </a:endParaRPr>
+          </a:p>
+        </p:txBody>
+      </p:sp>
     </p:spTree>
     <p:extLst>
       <p:ext uri="{BB962C8B-B14F-4D97-AF65-F5344CB8AC3E}">
